--- a/cluster_analysis day ahead price.pptx
+++ b/cluster_analysis day ahead price.pptx
@@ -5,10 +5,10 @@
     <p:sldMasterId id="2147483697" r:id="rId1"/>
   </p:sldMasterIdLst>
   <p:notesMasterIdLst>
-    <p:notesMasterId r:id="rId10"/>
+    <p:notesMasterId r:id="rId13"/>
   </p:notesMasterIdLst>
   <p:handoutMasterIdLst>
-    <p:handoutMasterId r:id="rId11"/>
+    <p:handoutMasterId r:id="rId14"/>
   </p:handoutMasterIdLst>
   <p:sldIdLst>
     <p:sldId id="258" r:id="rId2"/>
@@ -19,11 +19,14 @@
     <p:sldId id="263" r:id="rId7"/>
     <p:sldId id="265" r:id="rId8"/>
     <p:sldId id="266" r:id="rId9"/>
+    <p:sldId id="267" r:id="rId10"/>
+    <p:sldId id="268" r:id="rId11"/>
+    <p:sldId id="269" r:id="rId12"/>
   </p:sldIdLst>
   <p:sldSz cx="9144000" cy="6858000" type="screen4x3"/>
   <p:notesSz cx="6797675" cy="9926638"/>
   <p:custDataLst>
-    <p:tags r:id="rId12"/>
+    <p:tags r:id="rId15"/>
   </p:custDataLst>
   <p:defaultTextStyle>
     <a:defPPr>
@@ -167,6 +170,9 @@
             <p14:sldId id="263"/>
             <p14:sldId id="265"/>
             <p14:sldId id="266"/>
+            <p14:sldId id="267"/>
+            <p14:sldId id="268"/>
+            <p14:sldId id="269"/>
           </p14:sldIdLst>
         </p14:section>
       </p14:sectionLst>
@@ -498,7 +504,7 @@
           <a:p>
             <a:fld id="{E72F8128-5970-4A2D-9929-4E2DFCD58C86}" type="datetimeFigureOut">
               <a:rPr lang="en-GB" smtClean="0"/>
-              <a:t>20/02/2019</a:t>
+              <a:t>25/02/2019</a:t>
             </a:fld>
             <a:endParaRPr lang="en-GB"/>
           </a:p>
@@ -855,6 +861,95 @@
 </p:notes>
 </file>
 
+<file path=ppt/notesSlides/notesSlide10.xml><?xml version="1.0" encoding="utf-8"?>
+<p:notes xmlns:a="http://schemas.openxmlformats.org/drawingml/2006/main" xmlns:r="http://schemas.openxmlformats.org/officeDocument/2006/relationships" xmlns:p="http://schemas.openxmlformats.org/presentationml/2006/main">
+  <p:cSld>
+    <p:spTree>
+      <p:nvGrpSpPr>
+        <p:cNvPr id="1" name=""/>
+        <p:cNvGrpSpPr/>
+        <p:nvPr/>
+      </p:nvGrpSpPr>
+      <p:grpSpPr>
+        <a:xfrm>
+          <a:off x="0" y="0"/>
+          <a:ext cx="0" cy="0"/>
+          <a:chOff x="0" y="0"/>
+          <a:chExt cx="0" cy="0"/>
+        </a:xfrm>
+      </p:grpSpPr>
+      <p:sp>
+        <p:nvSpPr>
+          <p:cNvPr id="2" name="Slide Image Placeholder 1"/>
+          <p:cNvSpPr>
+            <a:spLocks noGrp="1" noRot="1" noChangeAspect="1"/>
+          </p:cNvSpPr>
+          <p:nvPr>
+            <p:ph type="sldImg"/>
+          </p:nvPr>
+        </p:nvSpPr>
+        <p:spPr>
+          <a:xfrm>
+            <a:off x="1371600" y="1143000"/>
+            <a:ext cx="4114800" cy="3086100"/>
+          </a:xfrm>
+        </p:spPr>
+      </p:sp>
+      <p:sp>
+        <p:nvSpPr>
+          <p:cNvPr id="3" name="Notes Placeholder 2"/>
+          <p:cNvSpPr>
+            <a:spLocks noGrp="1"/>
+          </p:cNvSpPr>
+          <p:nvPr>
+            <p:ph type="body" idx="1"/>
+          </p:nvPr>
+        </p:nvSpPr>
+        <p:spPr/>
+        <p:txBody>
+          <a:bodyPr/>
+          <a:lstStyle/>
+          <a:p>
+            <a:endParaRPr lang="en-GB"/>
+          </a:p>
+        </p:txBody>
+      </p:sp>
+      <p:sp>
+        <p:nvSpPr>
+          <p:cNvPr id="4" name="Slide Number Placeholder 3"/>
+          <p:cNvSpPr>
+            <a:spLocks noGrp="1"/>
+          </p:cNvSpPr>
+          <p:nvPr>
+            <p:ph type="sldNum" sz="quarter" idx="10"/>
+          </p:nvPr>
+        </p:nvSpPr>
+        <p:spPr/>
+        <p:txBody>
+          <a:bodyPr/>
+          <a:lstStyle/>
+          <a:p>
+            <a:fld id="{74646323-5D0E-45BD-8825-BABA2853CF86}" type="slidenum">
+              <a:rPr lang="en-GB" smtClean="0"/>
+              <a:t>11</a:t>
+            </a:fld>
+            <a:endParaRPr lang="en-GB"/>
+          </a:p>
+        </p:txBody>
+      </p:sp>
+    </p:spTree>
+    <p:extLst>
+      <p:ext uri="{BB962C8B-B14F-4D97-AF65-F5344CB8AC3E}">
+        <p14:creationId xmlns:p14="http://schemas.microsoft.com/office/powerpoint/2010/main" val="1740026435"/>
+      </p:ext>
+    </p:extLst>
+  </p:cSld>
+  <p:clrMapOvr>
+    <a:masterClrMapping/>
+  </p:clrMapOvr>
+</p:notes>
+</file>
+
 <file path=ppt/notesSlides/notesSlide2.xml><?xml version="1.0" encoding="utf-8"?>
 <p:notes xmlns:a="http://schemas.openxmlformats.org/drawingml/2006/main" xmlns:r="http://schemas.openxmlformats.org/officeDocument/2006/relationships" xmlns:p="http://schemas.openxmlformats.org/presentationml/2006/main">
   <p:cSld>
@@ -1380,6 +1475,184 @@
     <p:extLst>
       <p:ext uri="{BB962C8B-B14F-4D97-AF65-F5344CB8AC3E}">
         <p14:creationId xmlns:p14="http://schemas.microsoft.com/office/powerpoint/2010/main" val="2371181298"/>
+      </p:ext>
+    </p:extLst>
+  </p:cSld>
+  <p:clrMapOvr>
+    <a:masterClrMapping/>
+  </p:clrMapOvr>
+</p:notes>
+</file>
+
+<file path=ppt/notesSlides/notesSlide8.xml><?xml version="1.0" encoding="utf-8"?>
+<p:notes xmlns:a="http://schemas.openxmlformats.org/drawingml/2006/main" xmlns:r="http://schemas.openxmlformats.org/officeDocument/2006/relationships" xmlns:p="http://schemas.openxmlformats.org/presentationml/2006/main">
+  <p:cSld>
+    <p:spTree>
+      <p:nvGrpSpPr>
+        <p:cNvPr id="1" name=""/>
+        <p:cNvGrpSpPr/>
+        <p:nvPr/>
+      </p:nvGrpSpPr>
+      <p:grpSpPr>
+        <a:xfrm>
+          <a:off x="0" y="0"/>
+          <a:ext cx="0" cy="0"/>
+          <a:chOff x="0" y="0"/>
+          <a:chExt cx="0" cy="0"/>
+        </a:xfrm>
+      </p:grpSpPr>
+      <p:sp>
+        <p:nvSpPr>
+          <p:cNvPr id="2" name="Slide Image Placeholder 1"/>
+          <p:cNvSpPr>
+            <a:spLocks noGrp="1" noRot="1" noChangeAspect="1"/>
+          </p:cNvSpPr>
+          <p:nvPr>
+            <p:ph type="sldImg"/>
+          </p:nvPr>
+        </p:nvSpPr>
+        <p:spPr>
+          <a:xfrm>
+            <a:off x="1371600" y="1143000"/>
+            <a:ext cx="4114800" cy="3086100"/>
+          </a:xfrm>
+        </p:spPr>
+      </p:sp>
+      <p:sp>
+        <p:nvSpPr>
+          <p:cNvPr id="3" name="Notes Placeholder 2"/>
+          <p:cNvSpPr>
+            <a:spLocks noGrp="1"/>
+          </p:cNvSpPr>
+          <p:nvPr>
+            <p:ph type="body" idx="1"/>
+          </p:nvPr>
+        </p:nvSpPr>
+        <p:spPr/>
+        <p:txBody>
+          <a:bodyPr/>
+          <a:lstStyle/>
+          <a:p>
+            <a:endParaRPr lang="en-GB"/>
+          </a:p>
+        </p:txBody>
+      </p:sp>
+      <p:sp>
+        <p:nvSpPr>
+          <p:cNvPr id="4" name="Slide Number Placeholder 3"/>
+          <p:cNvSpPr>
+            <a:spLocks noGrp="1"/>
+          </p:cNvSpPr>
+          <p:nvPr>
+            <p:ph type="sldNum" sz="quarter" idx="10"/>
+          </p:nvPr>
+        </p:nvSpPr>
+        <p:spPr/>
+        <p:txBody>
+          <a:bodyPr/>
+          <a:lstStyle/>
+          <a:p>
+            <a:fld id="{74646323-5D0E-45BD-8825-BABA2853CF86}" type="slidenum">
+              <a:rPr lang="en-GB" smtClean="0"/>
+              <a:t>9</a:t>
+            </a:fld>
+            <a:endParaRPr lang="en-GB"/>
+          </a:p>
+        </p:txBody>
+      </p:sp>
+    </p:spTree>
+    <p:extLst>
+      <p:ext uri="{BB962C8B-B14F-4D97-AF65-F5344CB8AC3E}">
+        <p14:creationId xmlns:p14="http://schemas.microsoft.com/office/powerpoint/2010/main" val="68662341"/>
+      </p:ext>
+    </p:extLst>
+  </p:cSld>
+  <p:clrMapOvr>
+    <a:masterClrMapping/>
+  </p:clrMapOvr>
+</p:notes>
+</file>
+
+<file path=ppt/notesSlides/notesSlide9.xml><?xml version="1.0" encoding="utf-8"?>
+<p:notes xmlns:a="http://schemas.openxmlformats.org/drawingml/2006/main" xmlns:r="http://schemas.openxmlformats.org/officeDocument/2006/relationships" xmlns:p="http://schemas.openxmlformats.org/presentationml/2006/main">
+  <p:cSld>
+    <p:spTree>
+      <p:nvGrpSpPr>
+        <p:cNvPr id="1" name=""/>
+        <p:cNvGrpSpPr/>
+        <p:nvPr/>
+      </p:nvGrpSpPr>
+      <p:grpSpPr>
+        <a:xfrm>
+          <a:off x="0" y="0"/>
+          <a:ext cx="0" cy="0"/>
+          <a:chOff x="0" y="0"/>
+          <a:chExt cx="0" cy="0"/>
+        </a:xfrm>
+      </p:grpSpPr>
+      <p:sp>
+        <p:nvSpPr>
+          <p:cNvPr id="2" name="Slide Image Placeholder 1"/>
+          <p:cNvSpPr>
+            <a:spLocks noGrp="1" noRot="1" noChangeAspect="1"/>
+          </p:cNvSpPr>
+          <p:nvPr>
+            <p:ph type="sldImg"/>
+          </p:nvPr>
+        </p:nvSpPr>
+        <p:spPr>
+          <a:xfrm>
+            <a:off x="1371600" y="1143000"/>
+            <a:ext cx="4114800" cy="3086100"/>
+          </a:xfrm>
+        </p:spPr>
+      </p:sp>
+      <p:sp>
+        <p:nvSpPr>
+          <p:cNvPr id="3" name="Notes Placeholder 2"/>
+          <p:cNvSpPr>
+            <a:spLocks noGrp="1"/>
+          </p:cNvSpPr>
+          <p:nvPr>
+            <p:ph type="body" idx="1"/>
+          </p:nvPr>
+        </p:nvSpPr>
+        <p:spPr/>
+        <p:txBody>
+          <a:bodyPr/>
+          <a:lstStyle/>
+          <a:p>
+            <a:endParaRPr lang="en-GB"/>
+          </a:p>
+        </p:txBody>
+      </p:sp>
+      <p:sp>
+        <p:nvSpPr>
+          <p:cNvPr id="4" name="Slide Number Placeholder 3"/>
+          <p:cNvSpPr>
+            <a:spLocks noGrp="1"/>
+          </p:cNvSpPr>
+          <p:nvPr>
+            <p:ph type="sldNum" sz="quarter" idx="10"/>
+          </p:nvPr>
+        </p:nvSpPr>
+        <p:spPr/>
+        <p:txBody>
+          <a:bodyPr/>
+          <a:lstStyle/>
+          <a:p>
+            <a:fld id="{74646323-5D0E-45BD-8825-BABA2853CF86}" type="slidenum">
+              <a:rPr lang="en-GB" smtClean="0"/>
+              <a:t>10</a:t>
+            </a:fld>
+            <a:endParaRPr lang="en-GB"/>
+          </a:p>
+        </p:txBody>
+      </p:sp>
+    </p:spTree>
+    <p:extLst>
+      <p:ext uri="{BB962C8B-B14F-4D97-AF65-F5344CB8AC3E}">
+        <p14:creationId xmlns:p14="http://schemas.microsoft.com/office/powerpoint/2010/main" val="3226258203"/>
       </p:ext>
     </p:extLst>
   </p:cSld>
@@ -3965,7 +4238,7 @@
           <a:p>
             <a:fld id="{34A43A2E-6632-4F9D-8728-2CF59ACBBE60}" type="datetimeFigureOut">
               <a:rPr lang="en-US" dirty="0"/>
-              <a:t>2/20/2019</a:t>
+              <a:t>2/25/2019</a:t>
             </a:fld>
             <a:endParaRPr lang="en-US" dirty="0"/>
           </a:p>
@@ -4622,6 +4895,13 @@
                 <a:cs typeface="Calibri" panose="020F0502020204030204" pitchFamily="34" charset="0"/>
               </a:rPr>
             </a:br>
+            <a:r>
+              <a:rPr lang="en-GB" sz="3600" dirty="0">
+                <a:latin typeface="Calibri" panose="020F0502020204030204" pitchFamily="34" charset="0"/>
+                <a:cs typeface="Calibri" panose="020F0502020204030204" pitchFamily="34" charset="0"/>
+              </a:rPr>
+              <a:t/>
+            </a:r>
             <a:br>
               <a:rPr lang="en-GB" sz="3600" dirty="0">
                 <a:latin typeface="Calibri" panose="020F0502020204030204" pitchFamily="34" charset="0"/>
@@ -4782,6 +5062,486 @@
   <p:clrMapOvr>
     <a:masterClrMapping/>
   </p:clrMapOvr>
+</p:sld>
+</file>
+
+<file path=ppt/slides/slide10.xml><?xml version="1.0" encoding="utf-8"?>
+<p:sld xmlns:a="http://schemas.openxmlformats.org/drawingml/2006/main" xmlns:r="http://schemas.openxmlformats.org/officeDocument/2006/relationships" xmlns:p="http://schemas.openxmlformats.org/presentationml/2006/main">
+  <p:cSld>
+    <p:spTree>
+      <p:nvGrpSpPr>
+        <p:cNvPr id="1" name=""/>
+        <p:cNvGrpSpPr/>
+        <p:nvPr/>
+      </p:nvGrpSpPr>
+      <p:grpSpPr>
+        <a:xfrm>
+          <a:off x="0" y="0"/>
+          <a:ext cx="0" cy="0"/>
+          <a:chOff x="0" y="0"/>
+          <a:chExt cx="0" cy="0"/>
+        </a:xfrm>
+      </p:grpSpPr>
+      <p:sp>
+        <p:nvSpPr>
+          <p:cNvPr id="4" name="Title 3"/>
+          <p:cNvSpPr>
+            <a:spLocks noGrp="1"/>
+          </p:cNvSpPr>
+          <p:nvPr>
+            <p:ph type="title"/>
+          </p:nvPr>
+        </p:nvSpPr>
+        <p:spPr>
+          <a:xfrm>
+            <a:off x="419100" y="365127"/>
+            <a:ext cx="6210300" cy="862313"/>
+          </a:xfrm>
+        </p:spPr>
+        <p:txBody>
+          <a:bodyPr>
+            <a:normAutofit/>
+          </a:bodyPr>
+          <a:lstStyle/>
+          <a:p>
+            <a:r>
+              <a:rPr lang="en-GB" sz="2800" dirty="0" smtClean="0">
+                <a:latin typeface="+mn-lt"/>
+              </a:rPr>
+              <a:t>Schedule optimisation</a:t>
+            </a:r>
+            <a:endParaRPr lang="en-GB" sz="2800" dirty="0">
+              <a:latin typeface="+mn-lt"/>
+            </a:endParaRPr>
+          </a:p>
+        </p:txBody>
+      </p:sp>
+      <p:pic>
+        <p:nvPicPr>
+          <p:cNvPr id="3" name="Picture 2"/>
+          <p:cNvPicPr>
+            <a:picLocks noChangeAspect="1"/>
+          </p:cNvPicPr>
+          <p:nvPr/>
+        </p:nvPicPr>
+        <p:blipFill>
+          <a:blip r:embed="rId3"/>
+          <a:stretch>
+            <a:fillRect/>
+          </a:stretch>
+        </p:blipFill>
+        <p:spPr>
+          <a:xfrm>
+            <a:off x="2044811" y="2250690"/>
+            <a:ext cx="4584589" cy="2755631"/>
+          </a:xfrm>
+          <a:prstGeom prst="rect">
+            <a:avLst/>
+          </a:prstGeom>
+        </p:spPr>
+      </p:pic>
+      <p:sp>
+        <p:nvSpPr>
+          <p:cNvPr id="9" name="Content Placeholder 4"/>
+          <p:cNvSpPr>
+            <a:spLocks noGrp="1"/>
+          </p:cNvSpPr>
+          <p:nvPr>
+            <p:ph idx="1"/>
+          </p:nvPr>
+        </p:nvSpPr>
+        <p:spPr>
+          <a:xfrm>
+            <a:off x="419100" y="1227441"/>
+            <a:ext cx="8458199" cy="487060"/>
+          </a:xfrm>
+        </p:spPr>
+        <p:txBody>
+          <a:bodyPr>
+            <a:noAutofit/>
+          </a:bodyPr>
+          <a:lstStyle/>
+          <a:p>
+            <a:pPr lvl="1"/>
+            <a:r>
+              <a:rPr lang="en-US" sz="2200" dirty="0" smtClean="0">
+                <a:solidFill>
+                  <a:schemeClr val="tx1"/>
+                </a:solidFill>
+                <a:latin typeface="Arial" panose="020B0604020202020204" pitchFamily="34" charset="0"/>
+                <a:cs typeface="Arial" panose="020B0604020202020204" pitchFamily="34" charset="0"/>
+              </a:rPr>
+              <a:t>Greatest increase to revenue when RFB </a:t>
+            </a:r>
+            <a:r>
+              <a:rPr lang="en-US" sz="2200" dirty="0" smtClean="0">
+                <a:solidFill>
+                  <a:schemeClr val="tx1"/>
+                </a:solidFill>
+                <a:latin typeface="Arial" panose="020B0604020202020204" pitchFamily="34" charset="0"/>
+                <a:cs typeface="Arial" panose="020B0604020202020204" pitchFamily="34" charset="0"/>
+              </a:rPr>
+              <a:t>duration is 4h.</a:t>
+            </a:r>
+            <a:endParaRPr lang="en-US" sz="2200" dirty="0">
+              <a:solidFill>
+                <a:schemeClr val="tx1"/>
+              </a:solidFill>
+              <a:latin typeface="Arial" panose="020B0604020202020204" pitchFamily="34" charset="0"/>
+              <a:cs typeface="Arial" panose="020B0604020202020204" pitchFamily="34" charset="0"/>
+            </a:endParaRPr>
+          </a:p>
+        </p:txBody>
+      </p:sp>
+    </p:spTree>
+    <p:extLst>
+      <p:ext uri="{BB962C8B-B14F-4D97-AF65-F5344CB8AC3E}">
+        <p14:creationId xmlns:p14="http://schemas.microsoft.com/office/powerpoint/2010/main" val="4073120993"/>
+      </p:ext>
+    </p:extLst>
+  </p:cSld>
+  <p:clrMapOvr>
+    <a:masterClrMapping/>
+  </p:clrMapOvr>
+  <p:timing>
+    <p:tnLst>
+      <p:par>
+        <p:cTn id="1" dur="indefinite" restart="never" nodeType="tmRoot">
+          <p:childTnLst>
+            <p:seq concurrent="1" nextAc="seek">
+              <p:cTn id="2" dur="indefinite" nodeType="mainSeq">
+                <p:childTnLst>
+                  <p:par>
+                    <p:cTn id="3" fill="hold">
+                      <p:stCondLst>
+                        <p:cond delay="indefinite"/>
+                      </p:stCondLst>
+                      <p:childTnLst>
+                        <p:par>
+                          <p:cTn id="4" fill="hold">
+                            <p:stCondLst>
+                              <p:cond delay="0"/>
+                            </p:stCondLst>
+                            <p:childTnLst>
+                              <p:par>
+                                <p:cTn id="5" presetID="1" presetClass="entr" presetSubtype="0" fill="hold" grpId="0" nodeType="clickEffect">
+                                  <p:stCondLst>
+                                    <p:cond delay="0"/>
+                                  </p:stCondLst>
+                                  <p:childTnLst>
+                                    <p:set>
+                                      <p:cBhvr>
+                                        <p:cTn id="6" dur="1" fill="hold">
+                                          <p:stCondLst>
+                                            <p:cond delay="0"/>
+                                          </p:stCondLst>
+                                        </p:cTn>
+                                        <p:tgtEl>
+                                          <p:spTgt spid="9">
+                                            <p:txEl>
+                                              <p:pRg st="0" end="0"/>
+                                            </p:txEl>
+                                          </p:spTgt>
+                                        </p:tgtEl>
+                                        <p:attrNameLst>
+                                          <p:attrName>style.visibility</p:attrName>
+                                        </p:attrNameLst>
+                                      </p:cBhvr>
+                                      <p:to>
+                                        <p:strVal val="visible"/>
+                                      </p:to>
+                                    </p:set>
+                                  </p:childTnLst>
+                                </p:cTn>
+                              </p:par>
+                            </p:childTnLst>
+                          </p:cTn>
+                        </p:par>
+                      </p:childTnLst>
+                    </p:cTn>
+                  </p:par>
+                </p:childTnLst>
+              </p:cTn>
+              <p:prevCondLst>
+                <p:cond evt="onPrev" delay="0">
+                  <p:tgtEl>
+                    <p:sldTgt/>
+                  </p:tgtEl>
+                </p:cond>
+              </p:prevCondLst>
+              <p:nextCondLst>
+                <p:cond evt="onNext" delay="0">
+                  <p:tgtEl>
+                    <p:sldTgt/>
+                  </p:tgtEl>
+                </p:cond>
+              </p:nextCondLst>
+            </p:seq>
+          </p:childTnLst>
+        </p:cTn>
+      </p:par>
+    </p:tnLst>
+    <p:bldLst>
+      <p:bldP spid="9" grpId="0" build="p"/>
+    </p:bldLst>
+  </p:timing>
+</p:sld>
+</file>
+
+<file path=ppt/slides/slide11.xml><?xml version="1.0" encoding="utf-8"?>
+<p:sld xmlns:a="http://schemas.openxmlformats.org/drawingml/2006/main" xmlns:r="http://schemas.openxmlformats.org/officeDocument/2006/relationships" xmlns:p="http://schemas.openxmlformats.org/presentationml/2006/main">
+  <p:cSld>
+    <p:spTree>
+      <p:nvGrpSpPr>
+        <p:cNvPr id="1" name=""/>
+        <p:cNvGrpSpPr/>
+        <p:nvPr/>
+      </p:nvGrpSpPr>
+      <p:grpSpPr>
+        <a:xfrm>
+          <a:off x="0" y="0"/>
+          <a:ext cx="0" cy="0"/>
+          <a:chOff x="0" y="0"/>
+          <a:chExt cx="0" cy="0"/>
+        </a:xfrm>
+      </p:grpSpPr>
+      <p:sp>
+        <p:nvSpPr>
+          <p:cNvPr id="4" name="Title 3"/>
+          <p:cNvSpPr>
+            <a:spLocks noGrp="1"/>
+          </p:cNvSpPr>
+          <p:nvPr>
+            <p:ph type="title"/>
+          </p:nvPr>
+        </p:nvSpPr>
+        <p:spPr>
+          <a:xfrm>
+            <a:off x="419100" y="365127"/>
+            <a:ext cx="6210300" cy="862313"/>
+          </a:xfrm>
+        </p:spPr>
+        <p:txBody>
+          <a:bodyPr>
+            <a:normAutofit/>
+          </a:bodyPr>
+          <a:lstStyle/>
+          <a:p>
+            <a:r>
+              <a:rPr lang="en-GB" sz="2800" dirty="0" smtClean="0">
+                <a:latin typeface="+mn-lt"/>
+              </a:rPr>
+              <a:t>Other ideas</a:t>
+            </a:r>
+            <a:endParaRPr lang="en-GB" sz="2800" dirty="0">
+              <a:latin typeface="+mn-lt"/>
+            </a:endParaRPr>
+          </a:p>
+        </p:txBody>
+      </p:sp>
+      <p:sp>
+        <p:nvSpPr>
+          <p:cNvPr id="5" name="Content Placeholder 4"/>
+          <p:cNvSpPr>
+            <a:spLocks noGrp="1"/>
+          </p:cNvSpPr>
+          <p:nvPr>
+            <p:ph idx="1"/>
+          </p:nvPr>
+        </p:nvSpPr>
+        <p:spPr>
+          <a:xfrm>
+            <a:off x="419100" y="1227441"/>
+            <a:ext cx="8458199" cy="487060"/>
+          </a:xfrm>
+        </p:spPr>
+        <p:txBody>
+          <a:bodyPr>
+            <a:noAutofit/>
+          </a:bodyPr>
+          <a:lstStyle/>
+          <a:p>
+            <a:pPr lvl="1"/>
+            <a:r>
+              <a:rPr lang="en-US" sz="2200" dirty="0" smtClean="0">
+                <a:solidFill>
+                  <a:schemeClr val="tx1"/>
+                </a:solidFill>
+                <a:latin typeface="Arial" panose="020B0604020202020204" pitchFamily="34" charset="0"/>
+                <a:cs typeface="Arial" panose="020B0604020202020204" pitchFamily="34" charset="0"/>
+              </a:rPr>
+              <a:t>Optimal RFB scheduling over three days involves idling at low SOC</a:t>
+            </a:r>
+          </a:p>
+          <a:p>
+            <a:pPr lvl="1"/>
+            <a:r>
+              <a:rPr lang="en-US" sz="2200" dirty="0" smtClean="0">
+                <a:solidFill>
+                  <a:schemeClr val="tx1"/>
+                </a:solidFill>
+                <a:latin typeface="Arial" panose="020B0604020202020204" pitchFamily="34" charset="0"/>
+                <a:cs typeface="Arial" panose="020B0604020202020204" pitchFamily="34" charset="0"/>
+              </a:rPr>
+              <a:t>This would be bad for a Li-ion battery</a:t>
+            </a:r>
+            <a:endParaRPr lang="en-US" sz="2200" dirty="0">
+              <a:solidFill>
+                <a:schemeClr val="tx1"/>
+              </a:solidFill>
+              <a:latin typeface="Arial" panose="020B0604020202020204" pitchFamily="34" charset="0"/>
+              <a:cs typeface="Arial" panose="020B0604020202020204" pitchFamily="34" charset="0"/>
+            </a:endParaRPr>
+          </a:p>
+        </p:txBody>
+      </p:sp>
+      <p:pic>
+        <p:nvPicPr>
+          <p:cNvPr id="2" name="Picture 1"/>
+          <p:cNvPicPr>
+            <a:picLocks noChangeAspect="1"/>
+          </p:cNvPicPr>
+          <p:nvPr/>
+        </p:nvPicPr>
+        <p:blipFill>
+          <a:blip r:embed="rId3"/>
+          <a:stretch>
+            <a:fillRect/>
+          </a:stretch>
+        </p:blipFill>
+        <p:spPr>
+          <a:xfrm>
+            <a:off x="895521" y="2488098"/>
+            <a:ext cx="7236579" cy="2755631"/>
+          </a:xfrm>
+          <a:prstGeom prst="rect">
+            <a:avLst/>
+          </a:prstGeom>
+        </p:spPr>
+      </p:pic>
+    </p:spTree>
+    <p:extLst>
+      <p:ext uri="{BB962C8B-B14F-4D97-AF65-F5344CB8AC3E}">
+        <p14:creationId xmlns:p14="http://schemas.microsoft.com/office/powerpoint/2010/main" val="3161460588"/>
+      </p:ext>
+    </p:extLst>
+  </p:cSld>
+  <p:clrMapOvr>
+    <a:masterClrMapping/>
+  </p:clrMapOvr>
+  <p:timing>
+    <p:tnLst>
+      <p:par>
+        <p:cTn id="1" dur="indefinite" restart="never" nodeType="tmRoot">
+          <p:childTnLst>
+            <p:seq concurrent="1" nextAc="seek">
+              <p:cTn id="2" dur="indefinite" nodeType="mainSeq">
+                <p:childTnLst>
+                  <p:par>
+                    <p:cTn id="3" fill="hold">
+                      <p:stCondLst>
+                        <p:cond delay="indefinite"/>
+                      </p:stCondLst>
+                      <p:childTnLst>
+                        <p:par>
+                          <p:cTn id="4" fill="hold">
+                            <p:stCondLst>
+                              <p:cond delay="0"/>
+                            </p:stCondLst>
+                            <p:childTnLst>
+                              <p:par>
+                                <p:cTn id="5" presetID="1" presetClass="entr" presetSubtype="0" fill="hold" grpId="0" nodeType="clickEffect">
+                                  <p:stCondLst>
+                                    <p:cond delay="0"/>
+                                  </p:stCondLst>
+                                  <p:childTnLst>
+                                    <p:set>
+                                      <p:cBhvr>
+                                        <p:cTn id="6" dur="1" fill="hold">
+                                          <p:stCondLst>
+                                            <p:cond delay="0"/>
+                                          </p:stCondLst>
+                                        </p:cTn>
+                                        <p:tgtEl>
+                                          <p:spTgt spid="5">
+                                            <p:txEl>
+                                              <p:pRg st="0" end="0"/>
+                                            </p:txEl>
+                                          </p:spTgt>
+                                        </p:tgtEl>
+                                        <p:attrNameLst>
+                                          <p:attrName>style.visibility</p:attrName>
+                                        </p:attrNameLst>
+                                      </p:cBhvr>
+                                      <p:to>
+                                        <p:strVal val="visible"/>
+                                      </p:to>
+                                    </p:set>
+                                  </p:childTnLst>
+                                </p:cTn>
+                              </p:par>
+                              <p:par>
+                                <p:cTn id="7" presetID="1" presetClass="entr" presetSubtype="0" fill="hold" grpId="0" nodeType="withEffect">
+                                  <p:stCondLst>
+                                    <p:cond delay="0"/>
+                                  </p:stCondLst>
+                                  <p:childTnLst>
+                                    <p:set>
+                                      <p:cBhvr>
+                                        <p:cTn id="8" dur="1" fill="hold">
+                                          <p:stCondLst>
+                                            <p:cond delay="0"/>
+                                          </p:stCondLst>
+                                        </p:cTn>
+                                        <p:tgtEl>
+                                          <p:spTgt spid="5">
+                                            <p:txEl>
+                                              <p:pRg st="1" end="1"/>
+                                            </p:txEl>
+                                          </p:spTgt>
+                                        </p:tgtEl>
+                                        <p:attrNameLst>
+                                          <p:attrName>style.visibility</p:attrName>
+                                        </p:attrNameLst>
+                                      </p:cBhvr>
+                                      <p:to>
+                                        <p:strVal val="visible"/>
+                                      </p:to>
+                                    </p:set>
+                                  </p:childTnLst>
+                                </p:cTn>
+                              </p:par>
+                            </p:childTnLst>
+                          </p:cTn>
+                        </p:par>
+                      </p:childTnLst>
+                    </p:cTn>
+                  </p:par>
+                </p:childTnLst>
+              </p:cTn>
+              <p:prevCondLst>
+                <p:cond evt="onPrev" delay="0">
+                  <p:tgtEl>
+                    <p:sldTgt/>
+                  </p:tgtEl>
+                </p:cond>
+              </p:prevCondLst>
+              <p:nextCondLst>
+                <p:cond evt="onNext" delay="0">
+                  <p:tgtEl>
+                    <p:sldTgt/>
+                  </p:tgtEl>
+                </p:cond>
+              </p:nextCondLst>
+            </p:seq>
+          </p:childTnLst>
+        </p:cTn>
+      </p:par>
+    </p:tnLst>
+    <p:bldLst>
+      <p:bldP spid="5" grpId="0" build="p"/>
+    </p:bldLst>
+  </p:timing>
 </p:sld>
 </file>
 
@@ -7236,8 +7996,330 @@
                 <a:latin typeface="Arial" panose="020B0604020202020204" pitchFamily="34" charset="0"/>
                 <a:cs typeface="Arial" panose="020B0604020202020204" pitchFamily="34" charset="0"/>
               </a:rPr>
-              <a:t>Assign cut-off distance, retrieve cluster membership for each day, look for correlation with calendar.</a:t>
-            </a:r>
+              <a:t>Assign cut-off distance, retrieve cluster membership for each day, look for correlation with calendar</a:t>
+            </a:r>
+            <a:r>
+              <a:rPr lang="en-US" sz="2200" dirty="0" smtClean="0">
+                <a:solidFill>
+                  <a:schemeClr val="tx1"/>
+                </a:solidFill>
+                <a:latin typeface="Arial" panose="020B0604020202020204" pitchFamily="34" charset="0"/>
+                <a:cs typeface="Arial" panose="020B0604020202020204" pitchFamily="34" charset="0"/>
+              </a:rPr>
+              <a:t>.</a:t>
+            </a:r>
+          </a:p>
+          <a:p>
+            <a:pPr lvl="1"/>
+            <a:endParaRPr lang="en-US" sz="2200" dirty="0">
+              <a:solidFill>
+                <a:schemeClr val="tx1"/>
+              </a:solidFill>
+              <a:latin typeface="Arial" panose="020B0604020202020204" pitchFamily="34" charset="0"/>
+              <a:cs typeface="Arial" panose="020B0604020202020204" pitchFamily="34" charset="0"/>
+            </a:endParaRPr>
+          </a:p>
+          <a:p>
+            <a:pPr lvl="1"/>
+            <a:r>
+              <a:rPr lang="en-US" sz="2200" dirty="0" smtClean="0">
+                <a:solidFill>
+                  <a:schemeClr val="tx1"/>
+                </a:solidFill>
+                <a:latin typeface="Arial" panose="020B0604020202020204" pitchFamily="34" charset="0"/>
+                <a:cs typeface="Arial" panose="020B0604020202020204" pitchFamily="34" charset="0"/>
+              </a:rPr>
+              <a:t>See Excel sheet</a:t>
+            </a:r>
+            <a:endParaRPr lang="en-US" sz="2200" dirty="0">
+              <a:solidFill>
+                <a:schemeClr val="tx1"/>
+              </a:solidFill>
+              <a:latin typeface="Arial" panose="020B0604020202020204" pitchFamily="34" charset="0"/>
+              <a:cs typeface="Arial" panose="020B0604020202020204" pitchFamily="34" charset="0"/>
+            </a:endParaRPr>
+          </a:p>
+        </p:txBody>
+      </p:sp>
+      <p:sp>
+        <p:nvSpPr>
+          <p:cNvPr id="6" name="Content Placeholder 4"/>
+          <p:cNvSpPr txBox="1">
+            <a:spLocks/>
+          </p:cNvSpPr>
+          <p:nvPr/>
+        </p:nvSpPr>
+        <p:spPr>
+          <a:xfrm>
+            <a:off x="294410" y="4526374"/>
+            <a:ext cx="8458199" cy="487060"/>
+          </a:xfrm>
+          <a:prstGeom prst="rect">
+            <a:avLst/>
+          </a:prstGeom>
+        </p:spPr>
+        <p:txBody>
+          <a:bodyPr vert="horz" lIns="91440" tIns="45720" rIns="91440" bIns="45720" rtlCol="0">
+            <a:noAutofit/>
+          </a:bodyPr>
+          <a:lstStyle>
+            <a:lvl1pPr marL="171450" indent="-137160" algn="l" defTabSz="685800" rtl="0" eaLnBrk="1" latinLnBrk="0" hangingPunct="1">
+              <a:lnSpc>
+                <a:spcPct val="90000"/>
+              </a:lnSpc>
+              <a:spcBef>
+                <a:spcPts val="1000"/>
+              </a:spcBef>
+              <a:buClr>
+                <a:schemeClr val="accent1"/>
+              </a:buClr>
+              <a:buSzPct val="80000"/>
+              <a:buFont typeface="Corbel" pitchFamily="34" charset="0"/>
+              <a:buChar char="•"/>
+              <a:defRPr sz="2000" kern="1200">
+                <a:solidFill>
+                  <a:schemeClr val="tx1">
+                    <a:lumMod val="75000"/>
+                    <a:lumOff val="25000"/>
+                  </a:schemeClr>
+                </a:solidFill>
+                <a:latin typeface="Calibri" panose="020F0502020204030204" pitchFamily="34" charset="0"/>
+                <a:ea typeface="+mn-ea"/>
+                <a:cs typeface="Calibri" panose="020F0502020204030204" pitchFamily="34" charset="0"/>
+              </a:defRPr>
+            </a:lvl1pPr>
+            <a:lvl2pPr marL="342900" indent="-137160" algn="l" defTabSz="685800" rtl="0" eaLnBrk="1" latinLnBrk="0" hangingPunct="1">
+              <a:lnSpc>
+                <a:spcPct val="90000"/>
+              </a:lnSpc>
+              <a:spcBef>
+                <a:spcPts val="150"/>
+              </a:spcBef>
+              <a:spcAft>
+                <a:spcPts val="300"/>
+              </a:spcAft>
+              <a:buClr>
+                <a:schemeClr val="accent1"/>
+              </a:buClr>
+              <a:buSzPct val="80000"/>
+              <a:buFont typeface="Corbel" pitchFamily="34" charset="0"/>
+              <a:buChar char="•"/>
+              <a:defRPr sz="1800" kern="1200">
+                <a:solidFill>
+                  <a:schemeClr val="tx1">
+                    <a:lumMod val="75000"/>
+                    <a:lumOff val="25000"/>
+                  </a:schemeClr>
+                </a:solidFill>
+                <a:latin typeface="Calibri" panose="020F0502020204030204" pitchFamily="34" charset="0"/>
+                <a:ea typeface="+mn-ea"/>
+                <a:cs typeface="Calibri" panose="020F0502020204030204" pitchFamily="34" charset="0"/>
+              </a:defRPr>
+            </a:lvl2pPr>
+            <a:lvl3pPr marL="548640" indent="-137160" algn="l" defTabSz="685800" rtl="0" eaLnBrk="1" latinLnBrk="0" hangingPunct="1">
+              <a:lnSpc>
+                <a:spcPct val="90000"/>
+              </a:lnSpc>
+              <a:spcBef>
+                <a:spcPts val="150"/>
+              </a:spcBef>
+              <a:spcAft>
+                <a:spcPts val="300"/>
+              </a:spcAft>
+              <a:buClr>
+                <a:schemeClr val="accent1"/>
+              </a:buClr>
+              <a:buSzPct val="80000"/>
+              <a:buFont typeface="Corbel" pitchFamily="34" charset="0"/>
+              <a:buChar char="•"/>
+              <a:defRPr sz="1600" kern="1200">
+                <a:solidFill>
+                  <a:schemeClr val="tx1">
+                    <a:lumMod val="75000"/>
+                    <a:lumOff val="25000"/>
+                  </a:schemeClr>
+                </a:solidFill>
+                <a:latin typeface="Calibri" panose="020F0502020204030204" pitchFamily="34" charset="0"/>
+                <a:ea typeface="+mn-ea"/>
+                <a:cs typeface="Calibri" panose="020F0502020204030204" pitchFamily="34" charset="0"/>
+              </a:defRPr>
+            </a:lvl3pPr>
+            <a:lvl4pPr marL="754380" indent="-137160" algn="l" defTabSz="685800" rtl="0" eaLnBrk="1" latinLnBrk="0" hangingPunct="1">
+              <a:lnSpc>
+                <a:spcPct val="90000"/>
+              </a:lnSpc>
+              <a:spcBef>
+                <a:spcPts val="150"/>
+              </a:spcBef>
+              <a:spcAft>
+                <a:spcPts val="300"/>
+              </a:spcAft>
+              <a:buClr>
+                <a:schemeClr val="accent1"/>
+              </a:buClr>
+              <a:buSzPct val="80000"/>
+              <a:buFont typeface="Corbel" pitchFamily="34" charset="0"/>
+              <a:buChar char="•"/>
+              <a:defRPr sz="1400" kern="1200">
+                <a:solidFill>
+                  <a:schemeClr val="tx1">
+                    <a:lumMod val="75000"/>
+                    <a:lumOff val="25000"/>
+                  </a:schemeClr>
+                </a:solidFill>
+                <a:latin typeface="Calibri" panose="020F0502020204030204" pitchFamily="34" charset="0"/>
+                <a:ea typeface="+mn-ea"/>
+                <a:cs typeface="Calibri" panose="020F0502020204030204" pitchFamily="34" charset="0"/>
+              </a:defRPr>
+            </a:lvl4pPr>
+            <a:lvl5pPr marL="920120" indent="-137160" algn="l" defTabSz="685800" rtl="0" eaLnBrk="1" latinLnBrk="0" hangingPunct="1">
+              <a:lnSpc>
+                <a:spcPct val="90000"/>
+              </a:lnSpc>
+              <a:spcBef>
+                <a:spcPts val="150"/>
+              </a:spcBef>
+              <a:spcAft>
+                <a:spcPts val="300"/>
+              </a:spcAft>
+              <a:buClr>
+                <a:schemeClr val="accent1"/>
+              </a:buClr>
+              <a:buSzPct val="80000"/>
+              <a:buFont typeface="Corbel" pitchFamily="34" charset="0"/>
+              <a:buChar char="•"/>
+              <a:defRPr sz="1400" kern="1200">
+                <a:solidFill>
+                  <a:schemeClr val="tx1">
+                    <a:lumMod val="75000"/>
+                    <a:lumOff val="25000"/>
+                  </a:schemeClr>
+                </a:solidFill>
+                <a:latin typeface="Calibri" panose="020F0502020204030204" pitchFamily="34" charset="0"/>
+                <a:ea typeface="+mn-ea"/>
+                <a:cs typeface="Calibri" panose="020F0502020204030204" pitchFamily="34" charset="0"/>
+              </a:defRPr>
+            </a:lvl5pPr>
+            <a:lvl6pPr marL="1100000" indent="-171450" algn="l" defTabSz="685800" rtl="0" eaLnBrk="1" latinLnBrk="0" hangingPunct="1">
+              <a:lnSpc>
+                <a:spcPct val="90000"/>
+              </a:lnSpc>
+              <a:spcBef>
+                <a:spcPts val="150"/>
+              </a:spcBef>
+              <a:spcAft>
+                <a:spcPts val="300"/>
+              </a:spcAft>
+              <a:buClr>
+                <a:schemeClr val="accent1"/>
+              </a:buClr>
+              <a:buSzPct val="80000"/>
+              <a:buFont typeface="Corbel" pitchFamily="34" charset="0"/>
+              <a:buChar char="•"/>
+              <a:defRPr sz="1400" kern="1200">
+                <a:solidFill>
+                  <a:schemeClr val="accent1"/>
+                </a:solidFill>
+                <a:latin typeface="+mn-lt"/>
+                <a:ea typeface="+mn-ea"/>
+                <a:cs typeface="+mn-cs"/>
+              </a:defRPr>
+            </a:lvl6pPr>
+            <a:lvl7pPr marL="1300000" indent="-171450" algn="l" defTabSz="685800" rtl="0" eaLnBrk="1" latinLnBrk="0" hangingPunct="1">
+              <a:lnSpc>
+                <a:spcPct val="90000"/>
+              </a:lnSpc>
+              <a:spcBef>
+                <a:spcPts val="150"/>
+              </a:spcBef>
+              <a:spcAft>
+                <a:spcPts val="300"/>
+              </a:spcAft>
+              <a:buClr>
+                <a:schemeClr val="accent1"/>
+              </a:buClr>
+              <a:buSzPct val="80000"/>
+              <a:buFont typeface="Corbel" pitchFamily="34" charset="0"/>
+              <a:buChar char="•"/>
+              <a:defRPr sz="1400" kern="1200">
+                <a:solidFill>
+                  <a:schemeClr val="accent1"/>
+                </a:solidFill>
+                <a:latin typeface="+mn-lt"/>
+                <a:ea typeface="+mn-ea"/>
+                <a:cs typeface="+mn-cs"/>
+              </a:defRPr>
+            </a:lvl7pPr>
+            <a:lvl8pPr marL="1500000" indent="-171450" algn="l" defTabSz="685800" rtl="0" eaLnBrk="1" latinLnBrk="0" hangingPunct="1">
+              <a:lnSpc>
+                <a:spcPct val="90000"/>
+              </a:lnSpc>
+              <a:spcBef>
+                <a:spcPts val="150"/>
+              </a:spcBef>
+              <a:spcAft>
+                <a:spcPts val="300"/>
+              </a:spcAft>
+              <a:buClr>
+                <a:schemeClr val="accent1"/>
+              </a:buClr>
+              <a:buSzPct val="80000"/>
+              <a:buFont typeface="Corbel" pitchFamily="34" charset="0"/>
+              <a:buChar char="•"/>
+              <a:defRPr sz="1400" kern="1200">
+                <a:solidFill>
+                  <a:schemeClr val="accent1"/>
+                </a:solidFill>
+                <a:latin typeface="+mn-lt"/>
+                <a:ea typeface="+mn-ea"/>
+                <a:cs typeface="+mn-cs"/>
+              </a:defRPr>
+            </a:lvl8pPr>
+            <a:lvl9pPr marL="1700000" indent="-171450" algn="l" defTabSz="685800" rtl="0" eaLnBrk="1" latinLnBrk="0" hangingPunct="1">
+              <a:lnSpc>
+                <a:spcPct val="90000"/>
+              </a:lnSpc>
+              <a:spcBef>
+                <a:spcPts val="150"/>
+              </a:spcBef>
+              <a:spcAft>
+                <a:spcPts val="300"/>
+              </a:spcAft>
+              <a:buClr>
+                <a:schemeClr val="accent1"/>
+              </a:buClr>
+              <a:buSzPct val="80000"/>
+              <a:buFont typeface="Corbel" pitchFamily="34" charset="0"/>
+              <a:buChar char="•"/>
+              <a:defRPr sz="1400" kern="1200">
+                <a:solidFill>
+                  <a:schemeClr val="accent1"/>
+                </a:solidFill>
+                <a:latin typeface="+mn-lt"/>
+                <a:ea typeface="+mn-ea"/>
+                <a:cs typeface="+mn-cs"/>
+              </a:defRPr>
+            </a:lvl9pPr>
+          </a:lstStyle>
+          <a:p>
+            <a:pPr lvl="1" fontAlgn="auto"/>
+            <a:r>
+              <a:rPr lang="en-US" sz="2200" dirty="0" smtClean="0">
+                <a:solidFill>
+                  <a:schemeClr val="tx1"/>
+                </a:solidFill>
+                <a:latin typeface="Arial" panose="020B0604020202020204" pitchFamily="34" charset="0"/>
+                <a:cs typeface="Arial" panose="020B0604020202020204" pitchFamily="34" charset="0"/>
+              </a:rPr>
+              <a:t>There are 19 weeks where minimum price is consistently lower over weekend (and public holidays). Opportunity for net charging.</a:t>
+            </a:r>
+            <a:endParaRPr lang="en-US" sz="2200" dirty="0">
+              <a:solidFill>
+                <a:schemeClr val="tx1"/>
+              </a:solidFill>
+              <a:latin typeface="Arial" panose="020B0604020202020204" pitchFamily="34" charset="0"/>
+              <a:cs typeface="Arial" panose="020B0604020202020204" pitchFamily="34" charset="0"/>
+            </a:endParaRPr>
           </a:p>
         </p:txBody>
       </p:sp>
@@ -7245,6 +8327,320 @@
     <p:extLst>
       <p:ext uri="{BB962C8B-B14F-4D97-AF65-F5344CB8AC3E}">
         <p14:creationId xmlns:p14="http://schemas.microsoft.com/office/powerpoint/2010/main" val="4285731834"/>
+      </p:ext>
+    </p:extLst>
+  </p:cSld>
+  <p:clrMapOvr>
+    <a:masterClrMapping/>
+  </p:clrMapOvr>
+  <p:timing>
+    <p:tnLst>
+      <p:par>
+        <p:cTn id="1" dur="indefinite" restart="never" nodeType="tmRoot">
+          <p:childTnLst>
+            <p:seq concurrent="1" nextAc="seek">
+              <p:cTn id="2" dur="indefinite" nodeType="mainSeq">
+                <p:childTnLst>
+                  <p:par>
+                    <p:cTn id="3" fill="hold">
+                      <p:stCondLst>
+                        <p:cond delay="indefinite"/>
+                      </p:stCondLst>
+                      <p:childTnLst>
+                        <p:par>
+                          <p:cTn id="4" fill="hold">
+                            <p:stCondLst>
+                              <p:cond delay="0"/>
+                            </p:stCondLst>
+                            <p:childTnLst>
+                              <p:par>
+                                <p:cTn id="5" presetID="1" presetClass="entr" presetSubtype="0" fill="hold" grpId="0" nodeType="clickEffect">
+                                  <p:stCondLst>
+                                    <p:cond delay="0"/>
+                                  </p:stCondLst>
+                                  <p:childTnLst>
+                                    <p:set>
+                                      <p:cBhvr>
+                                        <p:cTn id="6" dur="1" fill="hold">
+                                          <p:stCondLst>
+                                            <p:cond delay="0"/>
+                                          </p:stCondLst>
+                                        </p:cTn>
+                                        <p:tgtEl>
+                                          <p:spTgt spid="5">
+                                            <p:txEl>
+                                              <p:pRg st="0" end="0"/>
+                                            </p:txEl>
+                                          </p:spTgt>
+                                        </p:tgtEl>
+                                        <p:attrNameLst>
+                                          <p:attrName>style.visibility</p:attrName>
+                                        </p:attrNameLst>
+                                      </p:cBhvr>
+                                      <p:to>
+                                        <p:strVal val="visible"/>
+                                      </p:to>
+                                    </p:set>
+                                  </p:childTnLst>
+                                </p:cTn>
+                              </p:par>
+                              <p:par>
+                                <p:cTn id="7" presetID="1" presetClass="entr" presetSubtype="0" fill="hold" grpId="0" nodeType="withEffect">
+                                  <p:stCondLst>
+                                    <p:cond delay="0"/>
+                                  </p:stCondLst>
+                                  <p:childTnLst>
+                                    <p:set>
+                                      <p:cBhvr>
+                                        <p:cTn id="8" dur="1" fill="hold">
+                                          <p:stCondLst>
+                                            <p:cond delay="0"/>
+                                          </p:stCondLst>
+                                        </p:cTn>
+                                        <p:tgtEl>
+                                          <p:spTgt spid="5">
+                                            <p:txEl>
+                                              <p:pRg st="2" end="2"/>
+                                            </p:txEl>
+                                          </p:spTgt>
+                                        </p:tgtEl>
+                                        <p:attrNameLst>
+                                          <p:attrName>style.visibility</p:attrName>
+                                        </p:attrNameLst>
+                                      </p:cBhvr>
+                                      <p:to>
+                                        <p:strVal val="visible"/>
+                                      </p:to>
+                                    </p:set>
+                                  </p:childTnLst>
+                                </p:cTn>
+                              </p:par>
+                            </p:childTnLst>
+                          </p:cTn>
+                        </p:par>
+                      </p:childTnLst>
+                    </p:cTn>
+                  </p:par>
+                  <p:par>
+                    <p:cTn id="9" fill="hold">
+                      <p:stCondLst>
+                        <p:cond delay="indefinite"/>
+                      </p:stCondLst>
+                      <p:childTnLst>
+                        <p:par>
+                          <p:cTn id="10" fill="hold">
+                            <p:stCondLst>
+                              <p:cond delay="0"/>
+                            </p:stCondLst>
+                            <p:childTnLst>
+                              <p:par>
+                                <p:cTn id="11" presetID="1" presetClass="entr" presetSubtype="0" fill="hold" grpId="0" nodeType="clickEffect">
+                                  <p:stCondLst>
+                                    <p:cond delay="0"/>
+                                  </p:stCondLst>
+                                  <p:childTnLst>
+                                    <p:set>
+                                      <p:cBhvr>
+                                        <p:cTn id="12" dur="1" fill="hold">
+                                          <p:stCondLst>
+                                            <p:cond delay="0"/>
+                                          </p:stCondLst>
+                                        </p:cTn>
+                                        <p:tgtEl>
+                                          <p:spTgt spid="6">
+                                            <p:txEl>
+                                              <p:pRg st="0" end="0"/>
+                                            </p:txEl>
+                                          </p:spTgt>
+                                        </p:tgtEl>
+                                        <p:attrNameLst>
+                                          <p:attrName>style.visibility</p:attrName>
+                                        </p:attrNameLst>
+                                      </p:cBhvr>
+                                      <p:to>
+                                        <p:strVal val="visible"/>
+                                      </p:to>
+                                    </p:set>
+                                  </p:childTnLst>
+                                </p:cTn>
+                              </p:par>
+                            </p:childTnLst>
+                          </p:cTn>
+                        </p:par>
+                      </p:childTnLst>
+                    </p:cTn>
+                  </p:par>
+                </p:childTnLst>
+              </p:cTn>
+              <p:prevCondLst>
+                <p:cond evt="onPrev" delay="0">
+                  <p:tgtEl>
+                    <p:sldTgt/>
+                  </p:tgtEl>
+                </p:cond>
+              </p:prevCondLst>
+              <p:nextCondLst>
+                <p:cond evt="onNext" delay="0">
+                  <p:tgtEl>
+                    <p:sldTgt/>
+                  </p:tgtEl>
+                </p:cond>
+              </p:nextCondLst>
+            </p:seq>
+          </p:childTnLst>
+        </p:cTn>
+      </p:par>
+    </p:tnLst>
+    <p:bldLst>
+      <p:bldP spid="5" grpId="0" build="p"/>
+      <p:bldP spid="6" grpId="0" build="p"/>
+    </p:bldLst>
+  </p:timing>
+</p:sld>
+</file>
+
+<file path=ppt/slides/slide8.xml><?xml version="1.0" encoding="utf-8"?>
+<p:sld xmlns:a="http://schemas.openxmlformats.org/drawingml/2006/main" xmlns:r="http://schemas.openxmlformats.org/officeDocument/2006/relationships" xmlns:p="http://schemas.openxmlformats.org/presentationml/2006/main">
+  <p:cSld>
+    <p:spTree>
+      <p:nvGrpSpPr>
+        <p:cNvPr id="1" name=""/>
+        <p:cNvGrpSpPr/>
+        <p:nvPr/>
+      </p:nvGrpSpPr>
+      <p:grpSpPr>
+        <a:xfrm>
+          <a:off x="0" y="0"/>
+          <a:ext cx="0" cy="0"/>
+          <a:chOff x="0" y="0"/>
+          <a:chExt cx="0" cy="0"/>
+        </a:xfrm>
+      </p:grpSpPr>
+      <p:sp>
+        <p:nvSpPr>
+          <p:cNvPr id="4" name="Title 3"/>
+          <p:cNvSpPr>
+            <a:spLocks noGrp="1"/>
+          </p:cNvSpPr>
+          <p:nvPr>
+            <p:ph type="title"/>
+          </p:nvPr>
+        </p:nvSpPr>
+        <p:spPr>
+          <a:xfrm>
+            <a:off x="419100" y="365127"/>
+            <a:ext cx="6210300" cy="862313"/>
+          </a:xfrm>
+        </p:spPr>
+        <p:txBody>
+          <a:bodyPr>
+            <a:normAutofit/>
+          </a:bodyPr>
+          <a:lstStyle/>
+          <a:p>
+            <a:r>
+              <a:rPr lang="en-GB" sz="2800" dirty="0" smtClean="0">
+                <a:latin typeface="+mn-lt"/>
+              </a:rPr>
+              <a:t>Schedule optimisation</a:t>
+            </a:r>
+            <a:endParaRPr lang="en-GB" sz="2800" dirty="0">
+              <a:latin typeface="+mn-lt"/>
+            </a:endParaRPr>
+          </a:p>
+        </p:txBody>
+      </p:sp>
+      <p:sp>
+        <p:nvSpPr>
+          <p:cNvPr id="5" name="Content Placeholder 4"/>
+          <p:cNvSpPr>
+            <a:spLocks noGrp="1"/>
+          </p:cNvSpPr>
+          <p:nvPr>
+            <p:ph idx="1"/>
+          </p:nvPr>
+        </p:nvSpPr>
+        <p:spPr>
+          <a:xfrm>
+            <a:off x="419100" y="1227441"/>
+            <a:ext cx="8458199" cy="487060"/>
+          </a:xfrm>
+        </p:spPr>
+        <p:txBody>
+          <a:bodyPr>
+            <a:noAutofit/>
+          </a:bodyPr>
+          <a:lstStyle/>
+          <a:p>
+            <a:pPr lvl="1"/>
+            <a:r>
+              <a:rPr lang="en-US" sz="2200" dirty="0" smtClean="0">
+                <a:solidFill>
+                  <a:schemeClr val="tx1"/>
+                </a:solidFill>
+                <a:latin typeface="Arial" panose="020B0604020202020204" pitchFamily="34" charset="0"/>
+                <a:cs typeface="Arial" panose="020B0604020202020204" pitchFamily="34" charset="0"/>
+              </a:rPr>
+              <a:t>From day 0 = Thursday 24</a:t>
+            </a:r>
+            <a:r>
+              <a:rPr lang="en-US" sz="2200" baseline="30000" dirty="0" smtClean="0">
+                <a:solidFill>
+                  <a:schemeClr val="tx1"/>
+                </a:solidFill>
+                <a:latin typeface="Arial" panose="020B0604020202020204" pitchFamily="34" charset="0"/>
+                <a:cs typeface="Arial" panose="020B0604020202020204" pitchFamily="34" charset="0"/>
+              </a:rPr>
+              <a:t>th</a:t>
+            </a:r>
+            <a:r>
+              <a:rPr lang="en-US" sz="2200" dirty="0" smtClean="0">
+                <a:solidFill>
+                  <a:schemeClr val="tx1"/>
+                </a:solidFill>
+                <a:latin typeface="Arial" panose="020B0604020202020204" pitchFamily="34" charset="0"/>
+                <a:cs typeface="Arial" panose="020B0604020202020204" pitchFamily="34" charset="0"/>
+              </a:rPr>
+              <a:t> 2018:</a:t>
+            </a:r>
+            <a:endParaRPr lang="en-US" sz="2200" dirty="0">
+              <a:solidFill>
+                <a:schemeClr val="tx1"/>
+              </a:solidFill>
+              <a:latin typeface="Arial" panose="020B0604020202020204" pitchFamily="34" charset="0"/>
+              <a:cs typeface="Arial" panose="020B0604020202020204" pitchFamily="34" charset="0"/>
+            </a:endParaRPr>
+          </a:p>
+        </p:txBody>
+      </p:sp>
+      <p:pic>
+        <p:nvPicPr>
+          <p:cNvPr id="11" name="Picture 10"/>
+          <p:cNvPicPr>
+            <a:picLocks noChangeAspect="1"/>
+          </p:cNvPicPr>
+          <p:nvPr/>
+        </p:nvPicPr>
+        <p:blipFill>
+          <a:blip r:embed="rId3"/>
+          <a:stretch>
+            <a:fillRect/>
+          </a:stretch>
+        </p:blipFill>
+        <p:spPr>
+          <a:xfrm>
+            <a:off x="882215" y="2157298"/>
+            <a:ext cx="7346317" cy="3042168"/>
+          </a:xfrm>
+          <a:prstGeom prst="rect">
+            <a:avLst/>
+          </a:prstGeom>
+        </p:spPr>
+      </p:pic>
+    </p:spTree>
+    <p:extLst>
+      <p:ext uri="{BB962C8B-B14F-4D97-AF65-F5344CB8AC3E}">
+        <p14:creationId xmlns:p14="http://schemas.microsoft.com/office/powerpoint/2010/main" val="3812000686"/>
       </p:ext>
     </p:extLst>
   </p:cSld>
@@ -7336,7 +8732,7 @@
 </p:sld>
 </file>
 
-<file path=ppt/slides/slide8.xml><?xml version="1.0" encoding="utf-8"?>
+<file path=ppt/slides/slide9.xml><?xml version="1.0" encoding="utf-8"?>
 <p:sld xmlns:a="http://schemas.openxmlformats.org/drawingml/2006/main" xmlns:r="http://schemas.openxmlformats.org/officeDocument/2006/relationships" xmlns:p="http://schemas.openxmlformats.org/presentationml/2006/main">
   <p:cSld>
     <p:spTree>
@@ -7376,37 +8772,373 @@
           <a:lstStyle/>
           <a:p>
             <a:r>
-              <a:rPr lang="en-GB" sz="2800" dirty="0">
+              <a:rPr lang="en-GB" sz="2800" dirty="0" smtClean="0">
                 <a:latin typeface="+mn-lt"/>
               </a:rPr>
-              <a:t>2 clusters</a:t>
-            </a:r>
+              <a:t>Schedule optimisation</a:t>
+            </a:r>
+            <a:endParaRPr lang="en-GB" sz="2800" dirty="0">
+              <a:latin typeface="+mn-lt"/>
+            </a:endParaRPr>
+          </a:p>
+        </p:txBody>
+      </p:sp>
+      <p:sp>
+        <p:nvSpPr>
+          <p:cNvPr id="5" name="Content Placeholder 4"/>
+          <p:cNvSpPr>
+            <a:spLocks noGrp="1"/>
+          </p:cNvSpPr>
+          <p:nvPr>
+            <p:ph idx="1"/>
+          </p:nvPr>
+        </p:nvSpPr>
+        <p:spPr>
+          <a:xfrm>
+            <a:off x="419100" y="1227441"/>
+            <a:ext cx="8458199" cy="487060"/>
+          </a:xfrm>
+        </p:spPr>
+        <p:txBody>
+          <a:bodyPr>
+            <a:noAutofit/>
+          </a:bodyPr>
+          <a:lstStyle/>
+          <a:p>
+            <a:pPr lvl="1"/>
+            <a:r>
+              <a:rPr lang="en-US" sz="2200" dirty="0" smtClean="0">
+                <a:solidFill>
+                  <a:schemeClr val="tx1"/>
+                </a:solidFill>
+                <a:latin typeface="Arial" panose="020B0604020202020204" pitchFamily="34" charset="0"/>
+                <a:cs typeface="Arial" panose="020B0604020202020204" pitchFamily="34" charset="0"/>
+              </a:rPr>
+              <a:t>Deterministic optimization against mean cluster values</a:t>
+            </a:r>
+            <a:endParaRPr lang="en-US" sz="2200" dirty="0">
+              <a:solidFill>
+                <a:schemeClr val="tx1"/>
+              </a:solidFill>
+              <a:latin typeface="Arial" panose="020B0604020202020204" pitchFamily="34" charset="0"/>
+              <a:cs typeface="Arial" panose="020B0604020202020204" pitchFamily="34" charset="0"/>
+            </a:endParaRPr>
+          </a:p>
+        </p:txBody>
+      </p:sp>
+      <p:sp>
+        <p:nvSpPr>
+          <p:cNvPr id="8" name="Content Placeholder 4"/>
+          <p:cNvSpPr txBox="1">
+            <a:spLocks/>
+          </p:cNvSpPr>
+          <p:nvPr/>
+        </p:nvSpPr>
+        <p:spPr>
+          <a:xfrm>
+            <a:off x="419100" y="5000199"/>
+            <a:ext cx="8458199" cy="487060"/>
+          </a:xfrm>
+          <a:prstGeom prst="rect">
+            <a:avLst/>
+          </a:prstGeom>
+        </p:spPr>
+        <p:txBody>
+          <a:bodyPr vert="horz" lIns="91440" tIns="45720" rIns="91440" bIns="45720" rtlCol="0">
+            <a:noAutofit/>
+          </a:bodyPr>
+          <a:lstStyle>
+            <a:lvl1pPr marL="171450" indent="-137160" algn="l" defTabSz="685800" rtl="0" eaLnBrk="1" latinLnBrk="0" hangingPunct="1">
+              <a:lnSpc>
+                <a:spcPct val="90000"/>
+              </a:lnSpc>
+              <a:spcBef>
+                <a:spcPts val="1000"/>
+              </a:spcBef>
+              <a:buClr>
+                <a:schemeClr val="accent1"/>
+              </a:buClr>
+              <a:buSzPct val="80000"/>
+              <a:buFont typeface="Corbel" pitchFamily="34" charset="0"/>
+              <a:buChar char="•"/>
+              <a:defRPr sz="2000" kern="1200">
+                <a:solidFill>
+                  <a:schemeClr val="tx1">
+                    <a:lumMod val="75000"/>
+                    <a:lumOff val="25000"/>
+                  </a:schemeClr>
+                </a:solidFill>
+                <a:latin typeface="Calibri" panose="020F0502020204030204" pitchFamily="34" charset="0"/>
+                <a:ea typeface="+mn-ea"/>
+                <a:cs typeface="Calibri" panose="020F0502020204030204" pitchFamily="34" charset="0"/>
+              </a:defRPr>
+            </a:lvl1pPr>
+            <a:lvl2pPr marL="342900" indent="-137160" algn="l" defTabSz="685800" rtl="0" eaLnBrk="1" latinLnBrk="0" hangingPunct="1">
+              <a:lnSpc>
+                <a:spcPct val="90000"/>
+              </a:lnSpc>
+              <a:spcBef>
+                <a:spcPts val="150"/>
+              </a:spcBef>
+              <a:spcAft>
+                <a:spcPts val="300"/>
+              </a:spcAft>
+              <a:buClr>
+                <a:schemeClr val="accent1"/>
+              </a:buClr>
+              <a:buSzPct val="80000"/>
+              <a:buFont typeface="Corbel" pitchFamily="34" charset="0"/>
+              <a:buChar char="•"/>
+              <a:defRPr sz="1800" kern="1200">
+                <a:solidFill>
+                  <a:schemeClr val="tx1">
+                    <a:lumMod val="75000"/>
+                    <a:lumOff val="25000"/>
+                  </a:schemeClr>
+                </a:solidFill>
+                <a:latin typeface="Calibri" panose="020F0502020204030204" pitchFamily="34" charset="0"/>
+                <a:ea typeface="+mn-ea"/>
+                <a:cs typeface="Calibri" panose="020F0502020204030204" pitchFamily="34" charset="0"/>
+              </a:defRPr>
+            </a:lvl2pPr>
+            <a:lvl3pPr marL="548640" indent="-137160" algn="l" defTabSz="685800" rtl="0" eaLnBrk="1" latinLnBrk="0" hangingPunct="1">
+              <a:lnSpc>
+                <a:spcPct val="90000"/>
+              </a:lnSpc>
+              <a:spcBef>
+                <a:spcPts val="150"/>
+              </a:spcBef>
+              <a:spcAft>
+                <a:spcPts val="300"/>
+              </a:spcAft>
+              <a:buClr>
+                <a:schemeClr val="accent1"/>
+              </a:buClr>
+              <a:buSzPct val="80000"/>
+              <a:buFont typeface="Corbel" pitchFamily="34" charset="0"/>
+              <a:buChar char="•"/>
+              <a:defRPr sz="1600" kern="1200">
+                <a:solidFill>
+                  <a:schemeClr val="tx1">
+                    <a:lumMod val="75000"/>
+                    <a:lumOff val="25000"/>
+                  </a:schemeClr>
+                </a:solidFill>
+                <a:latin typeface="Calibri" panose="020F0502020204030204" pitchFamily="34" charset="0"/>
+                <a:ea typeface="+mn-ea"/>
+                <a:cs typeface="Calibri" panose="020F0502020204030204" pitchFamily="34" charset="0"/>
+              </a:defRPr>
+            </a:lvl3pPr>
+            <a:lvl4pPr marL="754380" indent="-137160" algn="l" defTabSz="685800" rtl="0" eaLnBrk="1" latinLnBrk="0" hangingPunct="1">
+              <a:lnSpc>
+                <a:spcPct val="90000"/>
+              </a:lnSpc>
+              <a:spcBef>
+                <a:spcPts val="150"/>
+              </a:spcBef>
+              <a:spcAft>
+                <a:spcPts val="300"/>
+              </a:spcAft>
+              <a:buClr>
+                <a:schemeClr val="accent1"/>
+              </a:buClr>
+              <a:buSzPct val="80000"/>
+              <a:buFont typeface="Corbel" pitchFamily="34" charset="0"/>
+              <a:buChar char="•"/>
+              <a:defRPr sz="1400" kern="1200">
+                <a:solidFill>
+                  <a:schemeClr val="tx1">
+                    <a:lumMod val="75000"/>
+                    <a:lumOff val="25000"/>
+                  </a:schemeClr>
+                </a:solidFill>
+                <a:latin typeface="Calibri" panose="020F0502020204030204" pitchFamily="34" charset="0"/>
+                <a:ea typeface="+mn-ea"/>
+                <a:cs typeface="Calibri" panose="020F0502020204030204" pitchFamily="34" charset="0"/>
+              </a:defRPr>
+            </a:lvl4pPr>
+            <a:lvl5pPr marL="920120" indent="-137160" algn="l" defTabSz="685800" rtl="0" eaLnBrk="1" latinLnBrk="0" hangingPunct="1">
+              <a:lnSpc>
+                <a:spcPct val="90000"/>
+              </a:lnSpc>
+              <a:spcBef>
+                <a:spcPts val="150"/>
+              </a:spcBef>
+              <a:spcAft>
+                <a:spcPts val="300"/>
+              </a:spcAft>
+              <a:buClr>
+                <a:schemeClr val="accent1"/>
+              </a:buClr>
+              <a:buSzPct val="80000"/>
+              <a:buFont typeface="Corbel" pitchFamily="34" charset="0"/>
+              <a:buChar char="•"/>
+              <a:defRPr sz="1400" kern="1200">
+                <a:solidFill>
+                  <a:schemeClr val="tx1">
+                    <a:lumMod val="75000"/>
+                    <a:lumOff val="25000"/>
+                  </a:schemeClr>
+                </a:solidFill>
+                <a:latin typeface="Calibri" panose="020F0502020204030204" pitchFamily="34" charset="0"/>
+                <a:ea typeface="+mn-ea"/>
+                <a:cs typeface="Calibri" panose="020F0502020204030204" pitchFamily="34" charset="0"/>
+              </a:defRPr>
+            </a:lvl5pPr>
+            <a:lvl6pPr marL="1100000" indent="-171450" algn="l" defTabSz="685800" rtl="0" eaLnBrk="1" latinLnBrk="0" hangingPunct="1">
+              <a:lnSpc>
+                <a:spcPct val="90000"/>
+              </a:lnSpc>
+              <a:spcBef>
+                <a:spcPts val="150"/>
+              </a:spcBef>
+              <a:spcAft>
+                <a:spcPts val="300"/>
+              </a:spcAft>
+              <a:buClr>
+                <a:schemeClr val="accent1"/>
+              </a:buClr>
+              <a:buSzPct val="80000"/>
+              <a:buFont typeface="Corbel" pitchFamily="34" charset="0"/>
+              <a:buChar char="•"/>
+              <a:defRPr sz="1400" kern="1200">
+                <a:solidFill>
+                  <a:schemeClr val="accent1"/>
+                </a:solidFill>
+                <a:latin typeface="+mn-lt"/>
+                <a:ea typeface="+mn-ea"/>
+                <a:cs typeface="+mn-cs"/>
+              </a:defRPr>
+            </a:lvl6pPr>
+            <a:lvl7pPr marL="1300000" indent="-171450" algn="l" defTabSz="685800" rtl="0" eaLnBrk="1" latinLnBrk="0" hangingPunct="1">
+              <a:lnSpc>
+                <a:spcPct val="90000"/>
+              </a:lnSpc>
+              <a:spcBef>
+                <a:spcPts val="150"/>
+              </a:spcBef>
+              <a:spcAft>
+                <a:spcPts val="300"/>
+              </a:spcAft>
+              <a:buClr>
+                <a:schemeClr val="accent1"/>
+              </a:buClr>
+              <a:buSzPct val="80000"/>
+              <a:buFont typeface="Corbel" pitchFamily="34" charset="0"/>
+              <a:buChar char="•"/>
+              <a:defRPr sz="1400" kern="1200">
+                <a:solidFill>
+                  <a:schemeClr val="accent1"/>
+                </a:solidFill>
+                <a:latin typeface="+mn-lt"/>
+                <a:ea typeface="+mn-ea"/>
+                <a:cs typeface="+mn-cs"/>
+              </a:defRPr>
+            </a:lvl7pPr>
+            <a:lvl8pPr marL="1500000" indent="-171450" algn="l" defTabSz="685800" rtl="0" eaLnBrk="1" latinLnBrk="0" hangingPunct="1">
+              <a:lnSpc>
+                <a:spcPct val="90000"/>
+              </a:lnSpc>
+              <a:spcBef>
+                <a:spcPts val="150"/>
+              </a:spcBef>
+              <a:spcAft>
+                <a:spcPts val="300"/>
+              </a:spcAft>
+              <a:buClr>
+                <a:schemeClr val="accent1"/>
+              </a:buClr>
+              <a:buSzPct val="80000"/>
+              <a:buFont typeface="Corbel" pitchFamily="34" charset="0"/>
+              <a:buChar char="•"/>
+              <a:defRPr sz="1400" kern="1200">
+                <a:solidFill>
+                  <a:schemeClr val="accent1"/>
+                </a:solidFill>
+                <a:latin typeface="+mn-lt"/>
+                <a:ea typeface="+mn-ea"/>
+                <a:cs typeface="+mn-cs"/>
+              </a:defRPr>
+            </a:lvl8pPr>
+            <a:lvl9pPr marL="1700000" indent="-171450" algn="l" defTabSz="685800" rtl="0" eaLnBrk="1" latinLnBrk="0" hangingPunct="1">
+              <a:lnSpc>
+                <a:spcPct val="90000"/>
+              </a:lnSpc>
+              <a:spcBef>
+                <a:spcPts val="150"/>
+              </a:spcBef>
+              <a:spcAft>
+                <a:spcPts val="300"/>
+              </a:spcAft>
+              <a:buClr>
+                <a:schemeClr val="accent1"/>
+              </a:buClr>
+              <a:buSzPct val="80000"/>
+              <a:buFont typeface="Corbel" pitchFamily="34" charset="0"/>
+              <a:buChar char="•"/>
+              <a:defRPr sz="1400" kern="1200">
+                <a:solidFill>
+                  <a:schemeClr val="accent1"/>
+                </a:solidFill>
+                <a:latin typeface="+mn-lt"/>
+                <a:ea typeface="+mn-ea"/>
+                <a:cs typeface="+mn-cs"/>
+              </a:defRPr>
+            </a:lvl9pPr>
+          </a:lstStyle>
+          <a:p>
+            <a:pPr lvl="1" fontAlgn="auto"/>
+            <a:r>
+              <a:rPr lang="en-US" sz="2200" dirty="0" smtClean="0">
+                <a:solidFill>
+                  <a:schemeClr val="tx1"/>
+                </a:solidFill>
+                <a:latin typeface="Arial" panose="020B0604020202020204" pitchFamily="34" charset="0"/>
+                <a:cs typeface="Arial" panose="020B0604020202020204" pitchFamily="34" charset="0"/>
+              </a:rPr>
+              <a:t>4h rated RFB</a:t>
+            </a:r>
+          </a:p>
+          <a:p>
+            <a:pPr lvl="1" fontAlgn="auto"/>
+            <a:r>
+              <a:rPr lang="en-US" sz="2200" dirty="0" smtClean="0">
+                <a:solidFill>
+                  <a:schemeClr val="tx1"/>
+                </a:solidFill>
+                <a:latin typeface="Arial" panose="020B0604020202020204" pitchFamily="34" charset="0"/>
+                <a:cs typeface="Arial" panose="020B0604020202020204" pitchFamily="34" charset="0"/>
+              </a:rPr>
+              <a:t>96h window gives £0.167/kW v £0.138/kW for 24h x 4</a:t>
+            </a:r>
+            <a:endParaRPr lang="en-US" sz="2200" dirty="0">
+              <a:solidFill>
+                <a:schemeClr val="tx1"/>
+              </a:solidFill>
+              <a:latin typeface="Arial" panose="020B0604020202020204" pitchFamily="34" charset="0"/>
+              <a:cs typeface="Arial" panose="020B0604020202020204" pitchFamily="34" charset="0"/>
+            </a:endParaRPr>
           </a:p>
         </p:txBody>
       </p:sp>
       <p:pic>
         <p:nvPicPr>
-          <p:cNvPr id="6" name="Picture 5">
-            <a:extLst>
-              <a:ext uri="{FF2B5EF4-FFF2-40B4-BE49-F238E27FC236}">
-                <a16:creationId xmlns:a16="http://schemas.microsoft.com/office/drawing/2014/main" id="{62A37A30-9E93-43C0-B21E-7C5B2D64264D}"/>
-              </a:ext>
-            </a:extLst>
-          </p:cNvPr>
+          <p:cNvPr id="2" name="Picture 1"/>
           <p:cNvPicPr>
             <a:picLocks noChangeAspect="1"/>
           </p:cNvPicPr>
           <p:nvPr/>
         </p:nvPicPr>
-        <p:blipFill rotWithShape="1">
+        <p:blipFill>
           <a:blip r:embed="rId3"/>
-          <a:srcRect l="65920" t="50000" r="17920" b="34832"/>
-          <a:stretch/>
+          <a:stretch>
+            <a:fillRect/>
+          </a:stretch>
         </p:blipFill>
         <p:spPr>
           <a:xfrm>
-            <a:off x="1836115" y="2565805"/>
-            <a:ext cx="4719809" cy="1384401"/>
+            <a:off x="903834" y="1868304"/>
+            <a:ext cx="7236579" cy="2755631"/>
           </a:xfrm>
           <a:prstGeom prst="rect">
             <a:avLst/>
@@ -7416,13 +9148,176 @@
     </p:spTree>
     <p:extLst>
       <p:ext uri="{BB962C8B-B14F-4D97-AF65-F5344CB8AC3E}">
-        <p14:creationId xmlns:p14="http://schemas.microsoft.com/office/powerpoint/2010/main" val="3812000686"/>
+        <p14:creationId xmlns:p14="http://schemas.microsoft.com/office/powerpoint/2010/main" val="1571725678"/>
       </p:ext>
     </p:extLst>
   </p:cSld>
   <p:clrMapOvr>
     <a:masterClrMapping/>
   </p:clrMapOvr>
+  <p:timing>
+    <p:tnLst>
+      <p:par>
+        <p:cTn id="1" dur="indefinite" restart="never" nodeType="tmRoot">
+          <p:childTnLst>
+            <p:seq concurrent="1" nextAc="seek">
+              <p:cTn id="2" dur="indefinite" nodeType="mainSeq">
+                <p:childTnLst>
+                  <p:par>
+                    <p:cTn id="3" fill="hold">
+                      <p:stCondLst>
+                        <p:cond delay="indefinite"/>
+                      </p:stCondLst>
+                      <p:childTnLst>
+                        <p:par>
+                          <p:cTn id="4" fill="hold">
+                            <p:stCondLst>
+                              <p:cond delay="0"/>
+                            </p:stCondLst>
+                            <p:childTnLst>
+                              <p:par>
+                                <p:cTn id="5" presetID="1" presetClass="entr" presetSubtype="0" fill="hold" grpId="0" nodeType="clickEffect">
+                                  <p:stCondLst>
+                                    <p:cond delay="0"/>
+                                  </p:stCondLst>
+                                  <p:childTnLst>
+                                    <p:set>
+                                      <p:cBhvr>
+                                        <p:cTn id="6" dur="1" fill="hold">
+                                          <p:stCondLst>
+                                            <p:cond delay="0"/>
+                                          </p:stCondLst>
+                                        </p:cTn>
+                                        <p:tgtEl>
+                                          <p:spTgt spid="5">
+                                            <p:txEl>
+                                              <p:pRg st="0" end="0"/>
+                                            </p:txEl>
+                                          </p:spTgt>
+                                        </p:tgtEl>
+                                        <p:attrNameLst>
+                                          <p:attrName>style.visibility</p:attrName>
+                                        </p:attrNameLst>
+                                      </p:cBhvr>
+                                      <p:to>
+                                        <p:strVal val="visible"/>
+                                      </p:to>
+                                    </p:set>
+                                  </p:childTnLst>
+                                </p:cTn>
+                              </p:par>
+                            </p:childTnLst>
+                          </p:cTn>
+                        </p:par>
+                      </p:childTnLst>
+                    </p:cTn>
+                  </p:par>
+                  <p:par>
+                    <p:cTn id="7" fill="hold">
+                      <p:stCondLst>
+                        <p:cond delay="indefinite"/>
+                      </p:stCondLst>
+                      <p:childTnLst>
+                        <p:par>
+                          <p:cTn id="8" fill="hold">
+                            <p:stCondLst>
+                              <p:cond delay="0"/>
+                            </p:stCondLst>
+                            <p:childTnLst>
+                              <p:par>
+                                <p:cTn id="9" presetID="1" presetClass="entr" presetSubtype="0" fill="hold" grpId="0" nodeType="clickEffect">
+                                  <p:stCondLst>
+                                    <p:cond delay="0"/>
+                                  </p:stCondLst>
+                                  <p:childTnLst>
+                                    <p:set>
+                                      <p:cBhvr>
+                                        <p:cTn id="10" dur="1" fill="hold">
+                                          <p:stCondLst>
+                                            <p:cond delay="0"/>
+                                          </p:stCondLst>
+                                        </p:cTn>
+                                        <p:tgtEl>
+                                          <p:spTgt spid="8">
+                                            <p:txEl>
+                                              <p:pRg st="0" end="0"/>
+                                            </p:txEl>
+                                          </p:spTgt>
+                                        </p:tgtEl>
+                                        <p:attrNameLst>
+                                          <p:attrName>style.visibility</p:attrName>
+                                        </p:attrNameLst>
+                                      </p:cBhvr>
+                                      <p:to>
+                                        <p:strVal val="visible"/>
+                                      </p:to>
+                                    </p:set>
+                                  </p:childTnLst>
+                                </p:cTn>
+                              </p:par>
+                              <p:par>
+                                <p:cTn id="11" presetID="1" presetClass="entr" presetSubtype="0" fill="hold" grpId="0" nodeType="withEffect">
+                                  <p:stCondLst>
+                                    <p:cond delay="0"/>
+                                  </p:stCondLst>
+                                  <p:childTnLst>
+                                    <p:set>
+                                      <p:cBhvr>
+                                        <p:cTn id="12" dur="1" fill="hold">
+                                          <p:stCondLst>
+                                            <p:cond delay="0"/>
+                                          </p:stCondLst>
+                                        </p:cTn>
+                                        <p:tgtEl>
+                                          <p:spTgt spid="8">
+                                            <p:txEl>
+                                              <p:pRg st="1" end="1"/>
+                                            </p:txEl>
+                                          </p:spTgt>
+                                        </p:tgtEl>
+                                        <p:attrNameLst>
+                                          <p:attrName>style.visibility</p:attrName>
+                                        </p:attrNameLst>
+                                      </p:cBhvr>
+                                      <p:to>
+                                        <p:strVal val="visible"/>
+                                      </p:to>
+                                    </p:set>
+                                  </p:childTnLst>
+                                </p:cTn>
+                              </p:par>
+                            </p:childTnLst>
+                          </p:cTn>
+                        </p:par>
+                      </p:childTnLst>
+                    </p:cTn>
+                  </p:par>
+                </p:childTnLst>
+              </p:cTn>
+              <p:prevCondLst>
+                <p:cond evt="onPrev" delay="0">
+                  <p:tgtEl>
+                    <p:sldTgt/>
+                  </p:tgtEl>
+                </p:cond>
+              </p:prevCondLst>
+              <p:nextCondLst>
+                <p:cond evt="onNext" delay="0">
+                  <p:tgtEl>
+                    <p:sldTgt/>
+                  </p:tgtEl>
+                </p:cond>
+              </p:nextCondLst>
+            </p:seq>
+          </p:childTnLst>
+        </p:cTn>
+      </p:par>
+    </p:tnLst>
+    <p:bldLst>
+      <p:bldP spid="5" grpId="0" build="p"/>
+      <p:bldP spid="8" grpId="0" build="p"/>
+    </p:bldLst>
+  </p:timing>
 </p:sld>
 </file>
 
